--- a/Introduction to Predictive Analysis.pptx
+++ b/Introduction to Predictive Analysis.pptx
@@ -5,7 +5,7 @@
     <p:sldMasterId id="2147483710" r:id="rId1"/>
   </p:sldMasterIdLst>
   <p:notesMasterIdLst>
-    <p:notesMasterId r:id="rId14"/>
+    <p:notesMasterId r:id="rId17"/>
   </p:notesMasterIdLst>
   <p:sldIdLst>
     <p:sldId id="257" r:id="rId2"/>
@@ -17,9 +17,12 @@
     <p:sldId id="460" r:id="rId8"/>
     <p:sldId id="589" r:id="rId9"/>
     <p:sldId id="559" r:id="rId10"/>
-    <p:sldId id="535" r:id="rId11"/>
-    <p:sldId id="538" r:id="rId12"/>
-    <p:sldId id="722" r:id="rId13"/>
+    <p:sldId id="723" r:id="rId11"/>
+    <p:sldId id="724" r:id="rId12"/>
+    <p:sldId id="725" r:id="rId13"/>
+    <p:sldId id="535" r:id="rId14"/>
+    <p:sldId id="538" r:id="rId15"/>
+    <p:sldId id="722" r:id="rId16"/>
   </p:sldIdLst>
   <p:sldSz cx="12192000" cy="6858000"/>
   <p:notesSz cx="6858000" cy="9144000"/>
@@ -129,7 +132,7 @@
 <file path=ppt/revisionInfo.xml><?xml version="1.0" encoding="utf-8"?>
 <p1510:revInfo xmlns:a="http://schemas.openxmlformats.org/drawingml/2006/main" xmlns:r="http://schemas.openxmlformats.org/officeDocument/2006/relationships" xmlns:p1510="http://schemas.microsoft.com/office/powerpoint/2015/10/main">
   <p1510:revLst>
-    <p1510:client id="{AFCD8935-FF6D-4D3F-83C1-E9B12FA06529}" v="99" dt="2025-09-07T08:25:16.281"/>
+    <p1510:client id="{AFCD8935-FF6D-4D3F-83C1-E9B12FA06529}" v="109" dt="2025-09-07T12:08:30.193"/>
   </p1510:revLst>
 </p1510:revInfo>
 </file>
@@ -139,7 +142,7 @@
   <pc:docChgLst>
     <pc:chgData name="Pramod Naik" userId="ceb6df04-ef15-4d9b-a141-998a03559d75" providerId="ADAL" clId="{AFCD8935-FF6D-4D3F-83C1-E9B12FA06529}"/>
     <pc:docChg chg="undo custSel addSld delSld modSld sldOrd">
-      <pc:chgData name="Pramod Naik" userId="ceb6df04-ef15-4d9b-a141-998a03559d75" providerId="ADAL" clId="{AFCD8935-FF6D-4D3F-83C1-E9B12FA06529}" dt="2025-09-07T08:25:44.222" v="323" actId="27636"/>
+      <pc:chgData name="Pramod Naik" userId="ceb6df04-ef15-4d9b-a141-998a03559d75" providerId="ADAL" clId="{AFCD8935-FF6D-4D3F-83C1-E9B12FA06529}" dt="2025-09-07T12:08:30.188" v="421"/>
       <pc:docMkLst>
         <pc:docMk/>
       </pc:docMkLst>
@@ -334,7 +337,7 @@
         </pc:spChg>
       </pc:sldChg>
       <pc:sldChg chg="addSp delSp modSp add del mod ord">
-        <pc:chgData name="Pramod Naik" userId="ceb6df04-ef15-4d9b-a141-998a03559d75" providerId="ADAL" clId="{AFCD8935-FF6D-4D3F-83C1-E9B12FA06529}" dt="2025-09-07T07:47:54.934" v="262" actId="22"/>
+        <pc:chgData name="Pramod Naik" userId="ceb6df04-ef15-4d9b-a141-998a03559d75" providerId="ADAL" clId="{AFCD8935-FF6D-4D3F-83C1-E9B12FA06529}" dt="2025-09-07T11:59:27.174" v="325" actId="207"/>
         <pc:sldMkLst>
           <pc:docMk/>
           <pc:sldMk cId="2132517769" sldId="460"/>
@@ -348,7 +351,7 @@
           </ac:spMkLst>
         </pc:spChg>
         <pc:spChg chg="mod">
-          <ac:chgData name="Pramod Naik" userId="ceb6df04-ef15-4d9b-a141-998a03559d75" providerId="ADAL" clId="{AFCD8935-FF6D-4D3F-83C1-E9B12FA06529}" dt="2025-09-07T07:45:26.654" v="256" actId="207"/>
+          <ac:chgData name="Pramod Naik" userId="ceb6df04-ef15-4d9b-a141-998a03559d75" providerId="ADAL" clId="{AFCD8935-FF6D-4D3F-83C1-E9B12FA06529}" dt="2025-09-07T11:59:27.174" v="325" actId="207"/>
           <ac:spMkLst>
             <pc:docMk/>
             <pc:sldMk cId="2132517769" sldId="460"/>
@@ -503,13 +506,13 @@
         </pc:sldMkLst>
       </pc:sldChg>
       <pc:sldChg chg="delSp modSp add del mod ord setBg delDesignElem">
-        <pc:chgData name="Pramod Naik" userId="ceb6df04-ef15-4d9b-a141-998a03559d75" providerId="ADAL" clId="{AFCD8935-FF6D-4D3F-83C1-E9B12FA06529}" dt="2025-09-07T08:15:00.780" v="300" actId="14100"/>
+        <pc:chgData name="Pramod Naik" userId="ceb6df04-ef15-4d9b-a141-998a03559d75" providerId="ADAL" clId="{AFCD8935-FF6D-4D3F-83C1-E9B12FA06529}" dt="2025-09-07T12:00:18.039" v="336" actId="1076"/>
         <pc:sldMkLst>
           <pc:docMk/>
           <pc:sldMk cId="658136399" sldId="538"/>
         </pc:sldMkLst>
         <pc:spChg chg="mod">
-          <ac:chgData name="Pramod Naik" userId="ceb6df04-ef15-4d9b-a141-998a03559d75" providerId="ADAL" clId="{AFCD8935-FF6D-4D3F-83C1-E9B12FA06529}" dt="2025-09-07T08:15:00.780" v="300" actId="14100"/>
+          <ac:chgData name="Pramod Naik" userId="ceb6df04-ef15-4d9b-a141-998a03559d75" providerId="ADAL" clId="{AFCD8935-FF6D-4D3F-83C1-E9B12FA06529}" dt="2025-09-07T12:00:18.039" v="336" actId="1076"/>
           <ac:spMkLst>
             <pc:docMk/>
             <pc:sldMk cId="658136399" sldId="538"/>
@@ -742,13 +745,13 @@
         </pc:sldMkLst>
       </pc:sldChg>
       <pc:sldChg chg="modSp add mod">
-        <pc:chgData name="Pramod Naik" userId="ceb6df04-ef15-4d9b-a141-998a03559d75" providerId="ADAL" clId="{AFCD8935-FF6D-4D3F-83C1-E9B12FA06529}" dt="2025-09-07T08:25:30.632" v="318" actId="404"/>
+        <pc:chgData name="Pramod Naik" userId="ceb6df04-ef15-4d9b-a141-998a03559d75" providerId="ADAL" clId="{AFCD8935-FF6D-4D3F-83C1-E9B12FA06529}" dt="2025-09-07T12:00:44.162" v="339" actId="207"/>
         <pc:sldMkLst>
           <pc:docMk/>
           <pc:sldMk cId="3869390950" sldId="559"/>
         </pc:sldMkLst>
         <pc:spChg chg="mod">
-          <ac:chgData name="Pramod Naik" userId="ceb6df04-ef15-4d9b-a141-998a03559d75" providerId="ADAL" clId="{AFCD8935-FF6D-4D3F-83C1-E9B12FA06529}" dt="2025-09-07T08:25:30.632" v="318" actId="404"/>
+          <ac:chgData name="Pramod Naik" userId="ceb6df04-ef15-4d9b-a141-998a03559d75" providerId="ADAL" clId="{AFCD8935-FF6D-4D3F-83C1-E9B12FA06529}" dt="2025-09-07T12:00:44.162" v="339" actId="207"/>
           <ac:spMkLst>
             <pc:docMk/>
             <pc:sldMk cId="3869390950" sldId="559"/>
@@ -843,6 +846,79 @@
         <pc:sldMkLst>
           <pc:docMk/>
           <pc:sldMk cId="3442247154" sldId="722"/>
+        </pc:sldMkLst>
+      </pc:sldChg>
+      <pc:sldChg chg="add">
+        <pc:chgData name="Pramod Naik" userId="ceb6df04-ef15-4d9b-a141-998a03559d75" providerId="ADAL" clId="{AFCD8935-FF6D-4D3F-83C1-E9B12FA06529}" dt="2025-09-07T12:08:30.188" v="421"/>
+        <pc:sldMkLst>
+          <pc:docMk/>
+          <pc:sldMk cId="579468733" sldId="723"/>
+        </pc:sldMkLst>
+      </pc:sldChg>
+      <pc:sldChg chg="modSp add del mod ord">
+        <pc:chgData name="Pramod Naik" userId="ceb6df04-ef15-4d9b-a141-998a03559d75" providerId="ADAL" clId="{AFCD8935-FF6D-4D3F-83C1-E9B12FA06529}" dt="2025-09-07T12:08:28.087" v="420" actId="2696"/>
+        <pc:sldMkLst>
+          <pc:docMk/>
+          <pc:sldMk cId="1913338202" sldId="723"/>
+        </pc:sldMkLst>
+        <pc:spChg chg="mod">
+          <ac:chgData name="Pramod Naik" userId="ceb6df04-ef15-4d9b-a141-998a03559d75" providerId="ADAL" clId="{AFCD8935-FF6D-4D3F-83C1-E9B12FA06529}" dt="2025-09-07T12:08:21.296" v="419" actId="113"/>
+          <ac:spMkLst>
+            <pc:docMk/>
+            <pc:sldMk cId="1913338202" sldId="723"/>
+            <ac:spMk id="3" creationId="{62D54BF6-C601-FFB8-C9E1-A45ADCCCB212}"/>
+          </ac:spMkLst>
+        </pc:spChg>
+      </pc:sldChg>
+      <pc:sldChg chg="add">
+        <pc:chgData name="Pramod Naik" userId="ceb6df04-ef15-4d9b-a141-998a03559d75" providerId="ADAL" clId="{AFCD8935-FF6D-4D3F-83C1-E9B12FA06529}" dt="2025-09-07T12:08:30.188" v="421"/>
+        <pc:sldMkLst>
+          <pc:docMk/>
+          <pc:sldMk cId="1229544073" sldId="724"/>
+        </pc:sldMkLst>
+      </pc:sldChg>
+      <pc:sldChg chg="modSp add del mod ord">
+        <pc:chgData name="Pramod Naik" userId="ceb6df04-ef15-4d9b-a141-998a03559d75" providerId="ADAL" clId="{AFCD8935-FF6D-4D3F-83C1-E9B12FA06529}" dt="2025-09-07T12:08:28.087" v="420" actId="2696"/>
+        <pc:sldMkLst>
+          <pc:docMk/>
+          <pc:sldMk cId="1840265096" sldId="724"/>
+        </pc:sldMkLst>
+        <pc:spChg chg="mod">
+          <ac:chgData name="Pramod Naik" userId="ceb6df04-ef15-4d9b-a141-998a03559d75" providerId="ADAL" clId="{AFCD8935-FF6D-4D3F-83C1-E9B12FA06529}" dt="2025-09-07T12:07:36.731" v="404" actId="403"/>
+          <ac:spMkLst>
+            <pc:docMk/>
+            <pc:sldMk cId="1840265096" sldId="724"/>
+            <ac:spMk id="3" creationId="{F74412EA-EC64-AE9C-29B2-29151700C2C7}"/>
+          </ac:spMkLst>
+        </pc:spChg>
+      </pc:sldChg>
+      <pc:sldChg chg="modSp add del mod ord">
+        <pc:chgData name="Pramod Naik" userId="ceb6df04-ef15-4d9b-a141-998a03559d75" providerId="ADAL" clId="{AFCD8935-FF6D-4D3F-83C1-E9B12FA06529}" dt="2025-09-07T12:08:28.087" v="420" actId="2696"/>
+        <pc:sldMkLst>
+          <pc:docMk/>
+          <pc:sldMk cId="418299238" sldId="725"/>
+        </pc:sldMkLst>
+        <pc:spChg chg="mod">
+          <ac:chgData name="Pramod Naik" userId="ceb6df04-ef15-4d9b-a141-998a03559d75" providerId="ADAL" clId="{AFCD8935-FF6D-4D3F-83C1-E9B12FA06529}" dt="2025-09-07T12:07:39.537" v="405" actId="403"/>
+          <ac:spMkLst>
+            <pc:docMk/>
+            <pc:sldMk cId="418299238" sldId="725"/>
+            <ac:spMk id="3" creationId="{8417D2E3-6216-B9DB-676D-92A2979D017D}"/>
+          </ac:spMkLst>
+        </pc:spChg>
+      </pc:sldChg>
+      <pc:sldChg chg="add">
+        <pc:chgData name="Pramod Naik" userId="ceb6df04-ef15-4d9b-a141-998a03559d75" providerId="ADAL" clId="{AFCD8935-FF6D-4D3F-83C1-E9B12FA06529}" dt="2025-09-07T12:08:30.188" v="421"/>
+        <pc:sldMkLst>
+          <pc:docMk/>
+          <pc:sldMk cId="3835072188" sldId="725"/>
+        </pc:sldMkLst>
+      </pc:sldChg>
+      <pc:sldChg chg="add del">
+        <pc:chgData name="Pramod Naik" userId="ceb6df04-ef15-4d9b-a141-998a03559d75" providerId="ADAL" clId="{AFCD8935-FF6D-4D3F-83C1-E9B12FA06529}" dt="2025-09-07T12:04:52.078" v="344"/>
+        <pc:sldMkLst>
+          <pc:docMk/>
+          <pc:sldMk cId="4238409522" sldId="726"/>
         </pc:sldMkLst>
       </pc:sldChg>
       <pc:sldChg chg="del">
@@ -7595,6 +7671,506 @@
         <p:cNvPr id="1" name="">
           <a:extLst>
             <a:ext uri="{FF2B5EF4-FFF2-40B4-BE49-F238E27FC236}">
+              <a16:creationId xmlns:a16="http://schemas.microsoft.com/office/drawing/2014/main" id="{030D0A38-DD86-017C-9B2F-C2BF0FD8ADE1}"/>
+            </a:ext>
+          </a:extLst>
+        </p:cNvPr>
+        <p:cNvGrpSpPr/>
+        <p:nvPr/>
+      </p:nvGrpSpPr>
+      <p:grpSpPr>
+        <a:xfrm>
+          <a:off x="0" y="0"/>
+          <a:ext cx="0" cy="0"/>
+          <a:chOff x="0" y="0"/>
+          <a:chExt cx="0" cy="0"/>
+        </a:xfrm>
+      </p:grpSpPr>
+      <p:sp>
+        <p:nvSpPr>
+          <p:cNvPr id="3" name="Content Placeholder 2">
+            <a:extLst>
+              <a:ext uri="{FF2B5EF4-FFF2-40B4-BE49-F238E27FC236}">
+                <a16:creationId xmlns:a16="http://schemas.microsoft.com/office/drawing/2014/main" id="{62D54BF6-C601-FFB8-C9E1-A45ADCCCB212}"/>
+              </a:ext>
+            </a:extLst>
+          </p:cNvPr>
+          <p:cNvSpPr>
+            <a:spLocks noGrp="1"/>
+          </p:cNvSpPr>
+          <p:nvPr>
+            <p:ph idx="1"/>
+          </p:nvPr>
+        </p:nvSpPr>
+        <p:spPr>
+          <a:xfrm>
+            <a:off x="777240" y="1121229"/>
+            <a:ext cx="10659110" cy="5055734"/>
+          </a:xfrm>
+        </p:spPr>
+        <p:txBody>
+          <a:bodyPr>
+            <a:normAutofit/>
+          </a:bodyPr>
+          <a:lstStyle/>
+          <a:p>
+            <a:pPr marL="0" indent="0" algn="ctr">
+              <a:buNone/>
+            </a:pPr>
+            <a:r>
+              <a:rPr lang="en-US" sz="3200" b="1" dirty="0">
+                <a:latin typeface="+mj-lt"/>
+              </a:rPr>
+              <a:t>Role of Pandas and NumPy in Predictive Analytics</a:t>
+            </a:r>
+          </a:p>
+          <a:p>
+            <a:endParaRPr lang="en-US" sz="2800" dirty="0"/>
+          </a:p>
+          <a:p>
+            <a:r>
+              <a:rPr lang="en-US" sz="2800" b="1" dirty="0">
+                <a:solidFill>
+                  <a:srgbClr val="002060"/>
+                </a:solidFill>
+              </a:rPr>
+              <a:t>Predictive Analytics </a:t>
+            </a:r>
+            <a:r>
+              <a:rPr lang="en-US" sz="2800" dirty="0"/>
+              <a:t>= </a:t>
+            </a:r>
+            <a:r>
+              <a:rPr lang="en-US" sz="2800" b="1" dirty="0"/>
+              <a:t>Data Preparation + Modeling + Prediction + Evaluation</a:t>
+            </a:r>
+            <a:br>
+              <a:rPr lang="en-US" sz="2800" dirty="0"/>
+            </a:br>
+            <a:endParaRPr lang="en-US" sz="2800" dirty="0"/>
+          </a:p>
+          <a:p>
+            <a:r>
+              <a:rPr lang="en-US" sz="2800" b="1" dirty="0">
+                <a:solidFill>
+                  <a:srgbClr val="002060"/>
+                </a:solidFill>
+              </a:rPr>
+              <a:t>Pandas</a:t>
+            </a:r>
+            <a:r>
+              <a:rPr lang="en-US" sz="2800" dirty="0"/>
+              <a:t> and </a:t>
+            </a:r>
+            <a:r>
+              <a:rPr lang="en-US" sz="2800" b="1" dirty="0">
+                <a:solidFill>
+                  <a:srgbClr val="002060"/>
+                </a:solidFill>
+              </a:rPr>
+              <a:t>NumPy</a:t>
+            </a:r>
+            <a:r>
+              <a:rPr lang="en-US" sz="2800" dirty="0"/>
+              <a:t> sit in the </a:t>
+            </a:r>
+            <a:r>
+              <a:rPr lang="en-US" sz="2800" b="1" dirty="0"/>
+              <a:t>data preparation &amp; mathematical foundation</a:t>
+            </a:r>
+            <a:r>
+              <a:rPr lang="en-US" sz="2800" dirty="0"/>
+              <a:t> stages.</a:t>
+            </a:r>
+          </a:p>
+        </p:txBody>
+      </p:sp>
+    </p:spTree>
+    <p:extLst>
+      <p:ext uri="{BB962C8B-B14F-4D97-AF65-F5344CB8AC3E}">
+        <p14:creationId xmlns:p14="http://schemas.microsoft.com/office/powerpoint/2010/main" val="579468733"/>
+      </p:ext>
+    </p:extLst>
+  </p:cSld>
+  <p:clrMapOvr>
+    <a:masterClrMapping/>
+  </p:clrMapOvr>
+</p:sld>
+</file>
+
+<file path=ppt/slides/slide11.xml><?xml version="1.0" encoding="utf-8"?>
+<p:sld xmlns:a="http://schemas.openxmlformats.org/drawingml/2006/main" xmlns:r="http://schemas.openxmlformats.org/officeDocument/2006/relationships" xmlns:p="http://schemas.openxmlformats.org/presentationml/2006/main">
+  <p:cSld>
+    <p:spTree>
+      <p:nvGrpSpPr>
+        <p:cNvPr id="1" name="">
+          <a:extLst>
+            <a:ext uri="{FF2B5EF4-FFF2-40B4-BE49-F238E27FC236}">
+              <a16:creationId xmlns:a16="http://schemas.microsoft.com/office/drawing/2014/main" id="{140EA5F6-40FF-225B-1CD6-DBD1D2064C83}"/>
+            </a:ext>
+          </a:extLst>
+        </p:cNvPr>
+        <p:cNvGrpSpPr/>
+        <p:nvPr/>
+      </p:nvGrpSpPr>
+      <p:grpSpPr>
+        <a:xfrm>
+          <a:off x="0" y="0"/>
+          <a:ext cx="0" cy="0"/>
+          <a:chOff x="0" y="0"/>
+          <a:chExt cx="0" cy="0"/>
+        </a:xfrm>
+      </p:grpSpPr>
+      <p:sp>
+        <p:nvSpPr>
+          <p:cNvPr id="3" name="Content Placeholder 2">
+            <a:extLst>
+              <a:ext uri="{FF2B5EF4-FFF2-40B4-BE49-F238E27FC236}">
+                <a16:creationId xmlns:a16="http://schemas.microsoft.com/office/drawing/2014/main" id="{F74412EA-EC64-AE9C-29B2-29151700C2C7}"/>
+              </a:ext>
+            </a:extLst>
+          </p:cNvPr>
+          <p:cNvSpPr>
+            <a:spLocks noGrp="1"/>
+          </p:cNvSpPr>
+          <p:nvPr>
+            <p:ph idx="1"/>
+          </p:nvPr>
+        </p:nvSpPr>
+        <p:spPr>
+          <a:xfrm>
+            <a:off x="777240" y="783771"/>
+            <a:ext cx="10659110" cy="5393192"/>
+          </a:xfrm>
+        </p:spPr>
+        <p:txBody>
+          <a:bodyPr>
+            <a:normAutofit/>
+          </a:bodyPr>
+          <a:lstStyle/>
+          <a:p>
+            <a:pPr marL="0" indent="0">
+              <a:buNone/>
+            </a:pPr>
+            <a:r>
+              <a:rPr lang="en-IN" sz="3200" b="1" dirty="0">
+                <a:solidFill>
+                  <a:srgbClr val="002060"/>
+                </a:solidFill>
+              </a:rPr>
+              <a:t>1. Role of Pandas</a:t>
+            </a:r>
+          </a:p>
+          <a:p>
+            <a:pPr marL="0" indent="0">
+              <a:buNone/>
+            </a:pPr>
+            <a:r>
+              <a:rPr lang="en-IN" sz="2800" dirty="0"/>
+              <a:t>Pandas provides the </a:t>
+            </a:r>
+            <a:r>
+              <a:rPr lang="en-IN" sz="2800" b="1" dirty="0"/>
+              <a:t>data manipulation &amp; analysis layer</a:t>
+            </a:r>
+            <a:r>
+              <a:rPr lang="en-IN" sz="2800" dirty="0"/>
+              <a:t>:</a:t>
+            </a:r>
+          </a:p>
+          <a:p>
+            <a:pPr lvl="1"/>
+            <a:r>
+              <a:rPr lang="en-IN" sz="2800" b="1" dirty="0"/>
+              <a:t>Read &amp; clean data</a:t>
+            </a:r>
+            <a:r>
+              <a:rPr lang="en-IN" sz="2800" dirty="0"/>
+              <a:t> (CSV, Excel, SQL, JSON).</a:t>
+            </a:r>
+          </a:p>
+          <a:p>
+            <a:pPr lvl="1"/>
+            <a:r>
+              <a:rPr lang="en-IN" sz="2800" dirty="0"/>
+              <a:t>Handle </a:t>
+            </a:r>
+            <a:r>
+              <a:rPr lang="en-IN" sz="2800" b="1" dirty="0"/>
+              <a:t>missing values, duplicates, outliers</a:t>
+            </a:r>
+            <a:r>
+              <a:rPr lang="en-IN" sz="2800" dirty="0"/>
+              <a:t>.</a:t>
+            </a:r>
+          </a:p>
+          <a:p>
+            <a:pPr lvl="1"/>
+            <a:r>
+              <a:rPr lang="en-IN" sz="2800" dirty="0"/>
+              <a:t>Perform </a:t>
+            </a:r>
+            <a:r>
+              <a:rPr lang="en-IN" sz="2800" b="1" dirty="0"/>
+              <a:t>feature engineering</a:t>
+            </a:r>
+            <a:r>
+              <a:rPr lang="en-IN" sz="2800" dirty="0"/>
+              <a:t> (create new predictive variables).</a:t>
+            </a:r>
+          </a:p>
+          <a:p>
+            <a:pPr lvl="1"/>
+            <a:r>
+              <a:rPr lang="en-IN" sz="2800" dirty="0"/>
+              <a:t>Handle </a:t>
+            </a:r>
+            <a:r>
+              <a:rPr lang="en-IN" sz="2800" b="1" dirty="0"/>
+              <a:t>time-series data</a:t>
+            </a:r>
+            <a:r>
+              <a:rPr lang="en-IN" sz="2800" dirty="0"/>
+              <a:t> (resampling, rolling averages).</a:t>
+            </a:r>
+          </a:p>
+          <a:p>
+            <a:pPr lvl="1"/>
+            <a:r>
+              <a:rPr lang="en-IN" sz="2800" dirty="0"/>
+              <a:t>Integrates smoothly with NumPy and ML libraries (Scikit-learn, TensorFlow).</a:t>
+            </a:r>
+          </a:p>
+          <a:p>
+            <a:pPr marL="0" indent="0">
+              <a:buNone/>
+            </a:pPr>
+            <a:r>
+              <a:rPr lang="en-IN" sz="2800" dirty="0"/>
+              <a:t>👉 Pandas is like the </a:t>
+            </a:r>
+            <a:r>
+              <a:rPr lang="en-IN" sz="2800" b="1" dirty="0"/>
+              <a:t>data wrangler</a:t>
+            </a:r>
+            <a:r>
+              <a:rPr lang="en-IN" sz="2800" dirty="0"/>
+              <a:t>, NumPy is the </a:t>
+            </a:r>
+            <a:r>
+              <a:rPr lang="en-IN" sz="2800" b="1" dirty="0"/>
+              <a:t>math engine</a:t>
+            </a:r>
+            <a:r>
+              <a:rPr lang="en-IN" sz="2800" dirty="0"/>
+              <a:t>.</a:t>
+            </a:r>
+          </a:p>
+        </p:txBody>
+      </p:sp>
+    </p:spTree>
+    <p:extLst>
+      <p:ext uri="{BB962C8B-B14F-4D97-AF65-F5344CB8AC3E}">
+        <p14:creationId xmlns:p14="http://schemas.microsoft.com/office/powerpoint/2010/main" val="1229544073"/>
+      </p:ext>
+    </p:extLst>
+  </p:cSld>
+  <p:clrMapOvr>
+    <a:masterClrMapping/>
+  </p:clrMapOvr>
+</p:sld>
+</file>
+
+<file path=ppt/slides/slide12.xml><?xml version="1.0" encoding="utf-8"?>
+<p:sld xmlns:a="http://schemas.openxmlformats.org/drawingml/2006/main" xmlns:r="http://schemas.openxmlformats.org/officeDocument/2006/relationships" xmlns:p="http://schemas.openxmlformats.org/presentationml/2006/main">
+  <p:cSld>
+    <p:spTree>
+      <p:nvGrpSpPr>
+        <p:cNvPr id="1" name="">
+          <a:extLst>
+            <a:ext uri="{FF2B5EF4-FFF2-40B4-BE49-F238E27FC236}">
+              <a16:creationId xmlns:a16="http://schemas.microsoft.com/office/drawing/2014/main" id="{C1F579FB-EE34-6603-1564-51B05F9346D5}"/>
+            </a:ext>
+          </a:extLst>
+        </p:cNvPr>
+        <p:cNvGrpSpPr/>
+        <p:nvPr/>
+      </p:nvGrpSpPr>
+      <p:grpSpPr>
+        <a:xfrm>
+          <a:off x="0" y="0"/>
+          <a:ext cx="0" cy="0"/>
+          <a:chOff x="0" y="0"/>
+          <a:chExt cx="0" cy="0"/>
+        </a:xfrm>
+      </p:grpSpPr>
+      <p:sp>
+        <p:nvSpPr>
+          <p:cNvPr id="3" name="Content Placeholder 2">
+            <a:extLst>
+              <a:ext uri="{FF2B5EF4-FFF2-40B4-BE49-F238E27FC236}">
+                <a16:creationId xmlns:a16="http://schemas.microsoft.com/office/drawing/2014/main" id="{8417D2E3-6216-B9DB-676D-92A2979D017D}"/>
+              </a:ext>
+            </a:extLst>
+          </p:cNvPr>
+          <p:cNvSpPr>
+            <a:spLocks noGrp="1"/>
+          </p:cNvSpPr>
+          <p:nvPr>
+            <p:ph idx="1"/>
+          </p:nvPr>
+        </p:nvSpPr>
+        <p:spPr>
+          <a:xfrm>
+            <a:off x="777240" y="783771"/>
+            <a:ext cx="10659110" cy="5393192"/>
+          </a:xfrm>
+        </p:spPr>
+        <p:txBody>
+          <a:bodyPr>
+            <a:normAutofit/>
+          </a:bodyPr>
+          <a:lstStyle/>
+          <a:p>
+            <a:pPr marL="0" indent="0">
+              <a:buNone/>
+            </a:pPr>
+            <a:r>
+              <a:rPr lang="en-IN" sz="3200" b="1" dirty="0">
+                <a:solidFill>
+                  <a:srgbClr val="002060"/>
+                </a:solidFill>
+              </a:rPr>
+              <a:t>2. Role of NumPy</a:t>
+            </a:r>
+          </a:p>
+          <a:p>
+            <a:pPr marL="0" indent="0">
+              <a:buNone/>
+            </a:pPr>
+            <a:r>
+              <a:rPr lang="en-IN" sz="2800" dirty="0"/>
+              <a:t>NumPy provides the </a:t>
+            </a:r>
+            <a:r>
+              <a:rPr lang="en-IN" sz="2800" b="1" dirty="0">
+                <a:solidFill>
+                  <a:srgbClr val="C00000"/>
+                </a:solidFill>
+              </a:rPr>
+              <a:t>mathematical</a:t>
+            </a:r>
+            <a:r>
+              <a:rPr lang="en-IN" sz="2800" b="1" dirty="0"/>
+              <a:t> foundation</a:t>
+            </a:r>
+            <a:r>
+              <a:rPr lang="en-IN" sz="2800" dirty="0"/>
+              <a:t> for predictive analytics:</a:t>
+            </a:r>
+          </a:p>
+          <a:p>
+            <a:pPr lvl="1"/>
+            <a:r>
+              <a:rPr lang="en-IN" sz="2800" dirty="0"/>
+              <a:t>Efficient handling of </a:t>
+            </a:r>
+            <a:r>
+              <a:rPr lang="en-IN" sz="2800" b="1" dirty="0"/>
+              <a:t>numerical arrays &amp; matrices</a:t>
+            </a:r>
+            <a:r>
+              <a:rPr lang="en-IN" sz="2800" dirty="0"/>
+              <a:t>.</a:t>
+            </a:r>
+          </a:p>
+          <a:p>
+            <a:pPr lvl="1"/>
+            <a:r>
+              <a:rPr lang="en-IN" sz="2800" dirty="0"/>
+              <a:t>Performs </a:t>
+            </a:r>
+            <a:r>
+              <a:rPr lang="en-IN" sz="2800" b="1" dirty="0"/>
+              <a:t>vectorized computations</a:t>
+            </a:r>
+            <a:r>
+              <a:rPr lang="en-IN" sz="2800" dirty="0"/>
+              <a:t> (fast calculations).</a:t>
+            </a:r>
+          </a:p>
+          <a:p>
+            <a:pPr lvl="1"/>
+            <a:r>
+              <a:rPr lang="en-IN" sz="2800" dirty="0"/>
+              <a:t>Implements </a:t>
+            </a:r>
+            <a:r>
+              <a:rPr lang="en-IN" sz="2800" b="1" dirty="0"/>
+              <a:t>linear algebra</a:t>
+            </a:r>
+            <a:r>
+              <a:rPr lang="en-IN" sz="2800" dirty="0"/>
+              <a:t> (matrix multiplication, inversion, eigenvalues) — essential for regression, PCA, neural networks.</a:t>
+            </a:r>
+          </a:p>
+          <a:p>
+            <a:pPr lvl="1"/>
+            <a:r>
+              <a:rPr lang="en-IN" sz="2800" dirty="0"/>
+              <a:t>Random number generation for simulations &amp; ML model initialization.</a:t>
+            </a:r>
+          </a:p>
+          <a:p>
+            <a:pPr marL="0" indent="0">
+              <a:buNone/>
+            </a:pPr>
+            <a:r>
+              <a:rPr lang="en-IN" sz="2800" dirty="0"/>
+              <a:t>👉 Without NumPy, ML algorithms (like linear regression, logistic regression, neural nets) would be </a:t>
+            </a:r>
+            <a:r>
+              <a:rPr lang="en-IN" sz="2800" b="1" dirty="0">
+                <a:solidFill>
+                  <a:srgbClr val="C00000"/>
+                </a:solidFill>
+              </a:rPr>
+              <a:t>very slow </a:t>
+            </a:r>
+            <a:r>
+              <a:rPr lang="en-IN" sz="2800" dirty="0"/>
+              <a:t>in pure Python.</a:t>
+            </a:r>
+          </a:p>
+          <a:p>
+            <a:pPr marL="0" indent="0">
+              <a:buNone/>
+            </a:pPr>
+            <a:endParaRPr lang="en-IN" sz="2800" dirty="0"/>
+          </a:p>
+        </p:txBody>
+      </p:sp>
+    </p:spTree>
+    <p:extLst>
+      <p:ext uri="{BB962C8B-B14F-4D97-AF65-F5344CB8AC3E}">
+        <p14:creationId xmlns:p14="http://schemas.microsoft.com/office/powerpoint/2010/main" val="3835072188"/>
+      </p:ext>
+    </p:extLst>
+  </p:cSld>
+  <p:clrMapOvr>
+    <a:masterClrMapping/>
+  </p:clrMapOvr>
+</p:sld>
+</file>
+
+<file path=ppt/slides/slide13.xml><?xml version="1.0" encoding="utf-8"?>
+<p:sld xmlns:a="http://schemas.openxmlformats.org/drawingml/2006/main" xmlns:r="http://schemas.openxmlformats.org/officeDocument/2006/relationships" xmlns:p="http://schemas.openxmlformats.org/presentationml/2006/main">
+  <p:cSld>
+    <p:spTree>
+      <p:nvGrpSpPr>
+        <p:cNvPr id="1" name="">
+          <a:extLst>
+            <a:ext uri="{FF2B5EF4-FFF2-40B4-BE49-F238E27FC236}">
               <a16:creationId xmlns:a16="http://schemas.microsoft.com/office/drawing/2014/main" id="{8E411090-6E56-C20E-692B-C3ED9B75ACF0}"/>
             </a:ext>
           </a:extLst>
@@ -7709,7 +8285,7 @@
 </p:sld>
 </file>
 
-<file path=ppt/slides/slide11.xml><?xml version="1.0" encoding="utf-8"?>
+<file path=ppt/slides/slide14.xml><?xml version="1.0" encoding="utf-8"?>
 <p:sld xmlns:a="http://schemas.openxmlformats.org/drawingml/2006/main" xmlns:r="http://schemas.openxmlformats.org/officeDocument/2006/relationships" xmlns:p="http://schemas.openxmlformats.org/presentationml/2006/main">
   <p:cSld>
     <p:spTree>
@@ -7750,8 +8326,8 @@
         </p:nvSpPr>
         <p:spPr>
           <a:xfrm>
-            <a:off x="285068" y="2485257"/>
-            <a:ext cx="6986589" cy="1887484"/>
+            <a:off x="633412" y="2485258"/>
+            <a:ext cx="5952446" cy="1887484"/>
           </a:xfrm>
         </p:spPr>
         <p:txBody>
@@ -7776,7 +8352,7 @@
                 </a:solidFill>
                 <a:latin typeface="+mj-lt"/>
               </a:rPr>
-              <a:t>Introduction_to_Pandas.md </a:t>
+              <a:t>ReadMe.md </a:t>
             </a:r>
             <a:r>
               <a:rPr lang="en-US" sz="4000" b="1" dirty="0">
@@ -7846,7 +8422,7 @@
 </p:sld>
 </file>
 
-<file path=ppt/slides/slide12.xml><?xml version="1.0" encoding="utf-8"?>
+<file path=ppt/slides/slide15.xml><?xml version="1.0" encoding="utf-8"?>
 <p:sld xmlns:a="http://schemas.openxmlformats.org/drawingml/2006/main" xmlns:r="http://schemas.openxmlformats.org/officeDocument/2006/relationships" xmlns:p="http://schemas.openxmlformats.org/presentationml/2006/main">
   <p:cSld>
     <p:spTree>
@@ -10282,7 +10858,19 @@
             </a:r>
             <a:r>
               <a:rPr lang="en-US" sz="2400" dirty="0"/>
-              <a:t>. It provides easy-to-use data structures and functions to work with structured (tabular) data efficiently.</a:t>
+              <a:t>. It provides easy-to-use data structures and functions to work with structured (</a:t>
+            </a:r>
+            <a:r>
+              <a:rPr lang="en-US" sz="2400" b="1" dirty="0">
+                <a:solidFill>
+                  <a:srgbClr val="C00000"/>
+                </a:solidFill>
+              </a:rPr>
+              <a:t>tabular</a:t>
+            </a:r>
+            <a:r>
+              <a:rPr lang="en-US" sz="2400" dirty="0"/>
+              <a:t>) data efficiently.</a:t>
             </a:r>
           </a:p>
           <a:p>
@@ -10580,7 +11168,7 @@
             <a:r>
               <a:rPr lang="en-US" sz="2400" b="1" dirty="0">
                 <a:solidFill>
-                  <a:srgbClr val="00B0F0"/>
+                  <a:srgbClr val="002060"/>
                 </a:solidFill>
               </a:rPr>
               <a:t>multi-dimensional</a:t>
@@ -10592,7 +11180,7 @@
             <a:r>
               <a:rPr lang="en-US" sz="2400" b="1" dirty="0">
                 <a:solidFill>
-                  <a:srgbClr val="00B0F0"/>
+                  <a:srgbClr val="002060"/>
                 </a:solidFill>
               </a:rPr>
               <a:t>arrays</a:t>
@@ -10604,7 +11192,7 @@
             <a:r>
               <a:rPr lang="en-US" sz="2400" b="1" dirty="0">
                 <a:solidFill>
-                  <a:srgbClr val="00B0F0"/>
+                  <a:srgbClr val="002060"/>
                 </a:solidFill>
               </a:rPr>
               <a:t>matrices</a:t>

--- a/Introduction to Predictive Analysis.pptx
+++ b/Introduction to Predictive Analysis.pptx
@@ -5,7 +5,7 @@
     <p:sldMasterId id="2147483710" r:id="rId1"/>
   </p:sldMasterIdLst>
   <p:notesMasterIdLst>
-    <p:notesMasterId r:id="rId17"/>
+    <p:notesMasterId r:id="rId20"/>
   </p:notesMasterIdLst>
   <p:sldIdLst>
     <p:sldId id="257" r:id="rId2"/>
@@ -20,9 +20,12 @@
     <p:sldId id="723" r:id="rId11"/>
     <p:sldId id="724" r:id="rId12"/>
     <p:sldId id="725" r:id="rId13"/>
-    <p:sldId id="535" r:id="rId14"/>
-    <p:sldId id="538" r:id="rId15"/>
-    <p:sldId id="722" r:id="rId16"/>
+    <p:sldId id="726" r:id="rId14"/>
+    <p:sldId id="258" r:id="rId15"/>
+    <p:sldId id="259" r:id="rId16"/>
+    <p:sldId id="535" r:id="rId17"/>
+    <p:sldId id="538" r:id="rId18"/>
+    <p:sldId id="722" r:id="rId19"/>
   </p:sldIdLst>
   <p:sldSz cx="12192000" cy="6858000"/>
   <p:notesSz cx="6858000" cy="9144000"/>
@@ -2161,7 +2164,7 @@
           <a:p>
             <a:fld id="{61532AF1-4615-4667-912A-829B12F8C4D2}" type="datetimeFigureOut">
               <a:rPr lang="en-IN" smtClean="0"/>
-              <a:t>07-09-2025</a:t>
+              <a:t>09-09-2025</a:t>
             </a:fld>
             <a:endParaRPr lang="en-IN"/>
           </a:p>
@@ -2686,7 +2689,7 @@
           <a:p>
             <a:fld id="{C43A76A3-ADC8-4477-8FC1-B9DD55D84908}" type="datetime1">
               <a:rPr lang="en-US" smtClean="0"/>
-              <a:t>9/7/2025</a:t>
+              <a:t>9/9/2025</a:t>
             </a:fld>
             <a:endParaRPr lang="en-US" dirty="0"/>
           </a:p>
@@ -2884,7 +2887,7 @@
           <a:p>
             <a:fld id="{D6762538-DC4D-4667-96E5-B3278DDF8B12}" type="datetime1">
               <a:rPr lang="en-US" smtClean="0"/>
-              <a:t>9/7/2025</a:t>
+              <a:t>9/9/2025</a:t>
             </a:fld>
             <a:endParaRPr lang="en-US"/>
           </a:p>
@@ -3092,7 +3095,7 @@
           <a:p>
             <a:fld id="{05880548-5C08-4BE3-B63E-F2BB63B0B00C}" type="datetime1">
               <a:rPr lang="en-US" smtClean="0"/>
-              <a:t>9/7/2025</a:t>
+              <a:t>9/9/2025</a:t>
             </a:fld>
             <a:endParaRPr lang="en-US"/>
           </a:p>
@@ -3290,7 +3293,7 @@
           <a:p>
             <a:fld id="{DE7F49BE-398D-479A-8A7E-5DDBCA61EDCB}" type="datetime1">
               <a:rPr lang="en-US" smtClean="0"/>
-              <a:t>9/7/2025</a:t>
+              <a:t>9/9/2025</a:t>
             </a:fld>
             <a:endParaRPr lang="en-US" dirty="0"/>
           </a:p>
@@ -3566,7 +3569,7 @@
           <a:p>
             <a:fld id="{CCD0C193-4974-4A1F-9C63-07D595E30D66}" type="datetime1">
               <a:rPr lang="en-US" smtClean="0"/>
-              <a:t>9/7/2025</a:t>
+              <a:t>9/9/2025</a:t>
             </a:fld>
             <a:endParaRPr lang="en-US"/>
           </a:p>
@@ -3833,7 +3836,7 @@
           <a:p>
             <a:fld id="{701AA87F-28D4-4BF0-B81F-877A89DFD5AC}" type="datetime1">
               <a:rPr lang="en-US" smtClean="0"/>
-              <a:t>9/7/2025</a:t>
+              <a:t>9/9/2025</a:t>
             </a:fld>
             <a:endParaRPr lang="en-US"/>
           </a:p>
@@ -4247,7 +4250,7 @@
           <a:p>
             <a:fld id="{A8A9F1F3-208B-49A3-B337-9C8ACEB3E0E1}" type="datetime1">
               <a:rPr lang="en-US" smtClean="0"/>
-              <a:t>9/7/2025</a:t>
+              <a:t>9/9/2025</a:t>
             </a:fld>
             <a:endParaRPr lang="en-US"/>
           </a:p>
@@ -4394,7 +4397,7 @@
           <a:p>
             <a:fld id="{27AF6CA6-7293-4AA2-A0E0-A3BF4416E786}" type="datetime1">
               <a:rPr lang="en-US" smtClean="0"/>
-              <a:t>9/7/2025</a:t>
+              <a:t>9/9/2025</a:t>
             </a:fld>
             <a:endParaRPr lang="en-US"/>
           </a:p>
@@ -4507,7 +4510,7 @@
           <a:p>
             <a:fld id="{98D87016-7BCD-46FB-8EE3-AB6C369108B4}" type="datetime1">
               <a:rPr lang="en-US" smtClean="0"/>
-              <a:t>9/7/2025</a:t>
+              <a:t>9/9/2025</a:t>
             </a:fld>
             <a:endParaRPr lang="en-US"/>
           </a:p>
@@ -4826,7 +4829,7 @@
           <a:p>
             <a:fld id="{A1547011-1FFC-4EF8-9A2E-53B4AD2ADBD4}" type="datetime1">
               <a:rPr lang="en-US" smtClean="0"/>
-              <a:t>9/7/2025</a:t>
+              <a:t>9/9/2025</a:t>
             </a:fld>
             <a:endParaRPr lang="en-US"/>
           </a:p>
@@ -5121,7 +5124,7 @@
           <a:p>
             <a:fld id="{9562EB47-45B4-4EF5-A743-B4885DD2F060}" type="datetime1">
               <a:rPr lang="en-US" smtClean="0"/>
-              <a:t>9/7/2025</a:t>
+              <a:t>9/9/2025</a:t>
             </a:fld>
             <a:endParaRPr lang="en-US"/>
           </a:p>
@@ -6506,7 +6509,7 @@
           <a:p>
             <a:fld id="{4A8D24A4-5FEC-4062-8995-EB21925B3B40}" type="datetime1">
               <a:rPr lang="en-US" smtClean="0"/>
-              <a:t>9/7/2025</a:t>
+              <a:t>9/9/2025</a:t>
             </a:fld>
             <a:endParaRPr lang="en-US" sz="1000" dirty="0"/>
           </a:p>
@@ -7197,7 +7200,7 @@
         </p:nvSpPr>
         <p:spPr>
           <a:xfrm>
-            <a:off x="5138454" y="3429000"/>
+            <a:off x="5138454" y="3701150"/>
             <a:ext cx="6199216" cy="1426904"/>
           </a:xfrm>
         </p:spPr>
@@ -7242,7 +7245,7 @@
         </p:blipFill>
         <p:spPr bwMode="auto">
           <a:xfrm>
-            <a:off x="854330" y="2365859"/>
+            <a:off x="854330" y="2638009"/>
             <a:ext cx="3588262" cy="3588262"/>
           </a:xfrm>
           <a:custGeom>
@@ -7319,7 +7322,7 @@
         </p:blipFill>
         <p:spPr bwMode="auto">
           <a:xfrm>
-            <a:off x="9366959" y="268292"/>
+            <a:off x="9366959" y="540442"/>
             <a:ext cx="2255677" cy="2255677"/>
           </a:xfrm>
           <a:custGeom>
@@ -7396,7 +7399,7 @@
         </p:blipFill>
         <p:spPr bwMode="auto">
           <a:xfrm>
-            <a:off x="2825041" y="251844"/>
+            <a:off x="2825041" y="523994"/>
             <a:ext cx="5715000" cy="2231571"/>
           </a:xfrm>
           <a:prstGeom prst="rect">
@@ -7428,7 +7431,7 @@
         </p:nvGrpSpPr>
         <p:grpSpPr>
           <a:xfrm>
-            <a:off x="439694" y="268292"/>
+            <a:off x="439694" y="540442"/>
             <a:ext cx="1958666" cy="1939456"/>
             <a:chOff x="4140837" y="283183"/>
             <a:chExt cx="1958666" cy="1939456"/>
@@ -8168,6 +8171,888 @@
   <p:cSld>
     <p:spTree>
       <p:nvGrpSpPr>
+        <p:cNvPr id="1" name=""/>
+        <p:cNvGrpSpPr/>
+        <p:nvPr/>
+      </p:nvGrpSpPr>
+      <p:grpSpPr>
+        <a:xfrm>
+          <a:off x="0" y="0"/>
+          <a:ext cx="0" cy="0"/>
+          <a:chOff x="0" y="0"/>
+          <a:chExt cx="0" cy="0"/>
+        </a:xfrm>
+      </p:grpSpPr>
+      <p:sp>
+        <p:nvSpPr>
+          <p:cNvPr id="5" name="TextBox 4">
+            <a:extLst>
+              <a:ext uri="{FF2B5EF4-FFF2-40B4-BE49-F238E27FC236}">
+                <a16:creationId xmlns:a16="http://schemas.microsoft.com/office/drawing/2014/main" id="{2ED7F95E-A35F-46B9-D39F-E1A854C1BE00}"/>
+              </a:ext>
+            </a:extLst>
+          </p:cNvPr>
+          <p:cNvSpPr txBox="1"/>
+          <p:nvPr/>
+        </p:nvSpPr>
+        <p:spPr>
+          <a:xfrm>
+            <a:off x="706795" y="680197"/>
+            <a:ext cx="10937810" cy="5847755"/>
+          </a:xfrm>
+          <a:prstGeom prst="rect">
+            <a:avLst/>
+          </a:prstGeom>
+          <a:noFill/>
+        </p:spPr>
+        <p:txBody>
+          <a:bodyPr wrap="square">
+            <a:spAutoFit/>
+          </a:bodyPr>
+          <a:lstStyle/>
+          <a:p>
+            <a:r>
+              <a:rPr lang="en-US" sz="2400" b="1" i="0" dirty="0">
+                <a:solidFill>
+                  <a:srgbClr val="374151"/>
+                </a:solidFill>
+                <a:effectLst/>
+                <a:latin typeface="Söhne"/>
+              </a:rPr>
+              <a:t>Machine Learning (ML) </a:t>
+            </a:r>
+            <a:endParaRPr lang="en-US" sz="2400" b="1" dirty="0"/>
+          </a:p>
+          <a:p>
+            <a:r>
+              <a:rPr lang="en-US" sz="2400" b="0" i="0" dirty="0">
+                <a:solidFill>
+                  <a:srgbClr val="374151"/>
+                </a:solidFill>
+                <a:effectLst/>
+                <a:latin typeface="Söhne"/>
+              </a:rPr>
+              <a:t>	ML is an application of AI that provides </a:t>
+            </a:r>
+            <a:r>
+              <a:rPr lang="en-US" sz="2400" b="1" i="0" dirty="0">
+                <a:solidFill>
+                  <a:srgbClr val="374151"/>
+                </a:solidFill>
+                <a:effectLst/>
+                <a:latin typeface="Söhne"/>
+              </a:rPr>
+              <a:t>Systems or Models </a:t>
+            </a:r>
+            <a:r>
+              <a:rPr lang="en-US" sz="2400" b="0" i="0" dirty="0">
+                <a:solidFill>
+                  <a:srgbClr val="374151"/>
+                </a:solidFill>
+                <a:effectLst/>
+                <a:latin typeface="Söhne"/>
+              </a:rPr>
+              <a:t>the ability to automatically learn </a:t>
+            </a:r>
+            <a:r>
+              <a:rPr lang="en-US" sz="2400" b="1" i="0" dirty="0">
+                <a:solidFill>
+                  <a:srgbClr val="374151"/>
+                </a:solidFill>
+                <a:effectLst/>
+                <a:latin typeface="Söhne"/>
+              </a:rPr>
+              <a:t>and improve from experience</a:t>
+            </a:r>
+            <a:r>
+              <a:rPr lang="en-US" sz="2400" b="0" i="0" dirty="0">
+                <a:solidFill>
+                  <a:srgbClr val="374151"/>
+                </a:solidFill>
+                <a:effectLst/>
+                <a:latin typeface="Söhne"/>
+              </a:rPr>
+              <a:t> </a:t>
+            </a:r>
+            <a:r>
+              <a:rPr lang="en-US" sz="2400" b="1" i="0" dirty="0">
+                <a:solidFill>
+                  <a:srgbClr val="374151"/>
+                </a:solidFill>
+                <a:effectLst/>
+                <a:latin typeface="Söhne"/>
+              </a:rPr>
+              <a:t>without being explicitly programmed and </a:t>
+            </a:r>
+            <a:r>
+              <a:rPr lang="en-US" sz="2400" dirty="0"/>
+              <a:t>without human intervention </a:t>
+            </a:r>
+            <a:r>
+              <a:rPr lang="en-US" sz="2400" b="0" i="0" dirty="0">
+                <a:solidFill>
+                  <a:srgbClr val="374151"/>
+                </a:solidFill>
+                <a:effectLst/>
+                <a:latin typeface="Söhne"/>
+              </a:rPr>
+              <a:t>.</a:t>
+            </a:r>
+          </a:p>
+          <a:p>
+            <a:endParaRPr lang="en-US" sz="800" dirty="0">
+              <a:solidFill>
+                <a:srgbClr val="374151"/>
+              </a:solidFill>
+              <a:latin typeface="Söhne"/>
+            </a:endParaRPr>
+          </a:p>
+          <a:p>
+            <a:r>
+              <a:rPr lang="en-US" sz="2400" b="0" i="0" dirty="0">
+                <a:solidFill>
+                  <a:srgbClr val="374151"/>
+                </a:solidFill>
+                <a:effectLst/>
+                <a:latin typeface="Söhne"/>
+              </a:rPr>
+              <a:t>Machine Learning (ML) is a </a:t>
+            </a:r>
+            <a:r>
+              <a:rPr lang="en-US" sz="2400" b="1" i="0" dirty="0">
+                <a:solidFill>
+                  <a:srgbClr val="374151"/>
+                </a:solidFill>
+                <a:effectLst/>
+                <a:latin typeface="Söhne"/>
+              </a:rPr>
+              <a:t>subfield</a:t>
+            </a:r>
+            <a:r>
+              <a:rPr lang="en-US" sz="2400" b="0" i="0" dirty="0">
+                <a:solidFill>
+                  <a:srgbClr val="374151"/>
+                </a:solidFill>
+                <a:effectLst/>
+                <a:latin typeface="Söhne"/>
+              </a:rPr>
+              <a:t> of artificial intelligence (</a:t>
+            </a:r>
+            <a:r>
+              <a:rPr lang="en-US" sz="2400" b="1" i="0" dirty="0">
+                <a:solidFill>
+                  <a:srgbClr val="374151"/>
+                </a:solidFill>
+                <a:effectLst/>
+                <a:latin typeface="Söhne"/>
+              </a:rPr>
+              <a:t>AI</a:t>
+            </a:r>
+            <a:r>
+              <a:rPr lang="en-US" sz="2400" b="0" i="0" dirty="0">
+                <a:solidFill>
+                  <a:srgbClr val="374151"/>
+                </a:solidFill>
+                <a:effectLst/>
+                <a:latin typeface="Söhne"/>
+              </a:rPr>
+              <a:t>) that focuses on the </a:t>
+            </a:r>
+            <a:r>
+              <a:rPr lang="en-US" sz="2400" b="1" i="0" dirty="0">
+                <a:solidFill>
+                  <a:srgbClr val="C00000"/>
+                </a:solidFill>
+                <a:effectLst/>
+                <a:latin typeface="Söhne"/>
+              </a:rPr>
+              <a:t>development of algorithms </a:t>
+            </a:r>
+            <a:r>
+              <a:rPr lang="en-US" sz="2400" b="0" i="0" dirty="0">
+                <a:solidFill>
+                  <a:srgbClr val="374151"/>
+                </a:solidFill>
+                <a:effectLst/>
+                <a:latin typeface="Söhne"/>
+              </a:rPr>
+              <a:t>and </a:t>
+            </a:r>
+            <a:r>
+              <a:rPr lang="en-US" sz="2400" b="1" i="0" dirty="0">
+                <a:solidFill>
+                  <a:srgbClr val="C00000"/>
+                </a:solidFill>
+                <a:effectLst/>
+                <a:latin typeface="Söhne"/>
+              </a:rPr>
+              <a:t>models</a:t>
+            </a:r>
+            <a:r>
+              <a:rPr lang="en-US" sz="2400" b="0" i="0" dirty="0">
+                <a:solidFill>
+                  <a:srgbClr val="374151"/>
+                </a:solidFill>
+                <a:effectLst/>
+                <a:latin typeface="Söhne"/>
+              </a:rPr>
+              <a:t> that </a:t>
+            </a:r>
+            <a:r>
+              <a:rPr lang="en-US" sz="2400" b="1" i="0" dirty="0">
+                <a:solidFill>
+                  <a:srgbClr val="374151"/>
+                </a:solidFill>
+                <a:effectLst/>
+                <a:latin typeface="Söhne"/>
+              </a:rPr>
+              <a:t>enable computers to learn and make predictions </a:t>
+            </a:r>
+            <a:r>
+              <a:rPr lang="en-US" sz="2400" b="0" i="0" dirty="0">
+                <a:solidFill>
+                  <a:srgbClr val="374151"/>
+                </a:solidFill>
+                <a:effectLst/>
+                <a:latin typeface="Söhne"/>
+              </a:rPr>
+              <a:t>or </a:t>
+            </a:r>
+            <a:r>
+              <a:rPr lang="en-US" sz="2400" b="1" i="0" dirty="0">
+                <a:solidFill>
+                  <a:srgbClr val="374151"/>
+                </a:solidFill>
+                <a:effectLst/>
+                <a:latin typeface="Söhne"/>
+              </a:rPr>
+              <a:t>decisions</a:t>
+            </a:r>
+            <a:r>
+              <a:rPr lang="en-US" sz="2400" b="0" i="0" dirty="0">
+                <a:solidFill>
+                  <a:srgbClr val="374151"/>
+                </a:solidFill>
+                <a:effectLst/>
+                <a:latin typeface="Söhne"/>
+              </a:rPr>
+              <a:t> without being explicitly programmed for a specific task.</a:t>
+            </a:r>
+          </a:p>
+          <a:p>
+            <a:endParaRPr lang="en-US" sz="800" b="1" dirty="0">
+              <a:solidFill>
+                <a:srgbClr val="374151"/>
+              </a:solidFill>
+              <a:latin typeface="Söhne"/>
+            </a:endParaRPr>
+          </a:p>
+          <a:p>
+            <a:r>
+              <a:rPr lang="en-US" sz="2400" dirty="0"/>
+              <a:t>The primary aim of machine learning is to allow the </a:t>
+            </a:r>
+            <a:r>
+              <a:rPr lang="en-US" sz="2400" b="1" dirty="0">
+                <a:solidFill>
+                  <a:srgbClr val="C00000"/>
+                </a:solidFill>
+              </a:rPr>
+              <a:t>computers learn automatically </a:t>
+            </a:r>
+            <a:r>
+              <a:rPr lang="en-US" sz="2400" dirty="0"/>
+              <a:t>without human intervention or assistance and adjust actions accordingly. </a:t>
+            </a:r>
+          </a:p>
+          <a:p>
+            <a:endParaRPr lang="en-US" sz="2000" dirty="0">
+              <a:solidFill>
+                <a:srgbClr val="374151"/>
+              </a:solidFill>
+              <a:latin typeface="Söhne"/>
+            </a:endParaRPr>
+          </a:p>
+          <a:p>
+            <a:r>
+              <a:rPr lang="en-US" sz="2400" b="1" dirty="0">
+                <a:solidFill>
+                  <a:srgbClr val="374151"/>
+                </a:solidFill>
+                <a:latin typeface="Söhne"/>
+              </a:rPr>
+              <a:t>Examples</a:t>
+            </a:r>
+            <a:r>
+              <a:rPr lang="en-US" sz="2400" dirty="0">
+                <a:solidFill>
+                  <a:srgbClr val="374151"/>
+                </a:solidFill>
+                <a:latin typeface="Söhne"/>
+              </a:rPr>
+              <a:t>:</a:t>
+            </a:r>
+          </a:p>
+          <a:p>
+            <a:pPr marL="342900" indent="-342900">
+              <a:buAutoNum type="arabicPeriod"/>
+            </a:pPr>
+            <a:r>
+              <a:rPr lang="en-US" sz="2000" b="0" i="0" dirty="0">
+                <a:solidFill>
+                  <a:srgbClr val="1F1F1F"/>
+                </a:solidFill>
+                <a:effectLst/>
+                <a:latin typeface="Google Sans"/>
+              </a:rPr>
+              <a:t>The Self-Driving Car</a:t>
+            </a:r>
+            <a:endParaRPr lang="en-US" sz="2000" b="0" i="0" dirty="0">
+              <a:solidFill>
+                <a:srgbClr val="374151"/>
+              </a:solidFill>
+              <a:effectLst/>
+              <a:latin typeface="Söhne"/>
+            </a:endParaRPr>
+          </a:p>
+          <a:p>
+            <a:pPr marL="342900" indent="-342900">
+              <a:buAutoNum type="arabicPeriod"/>
+            </a:pPr>
+            <a:r>
+              <a:rPr lang="en-US" sz="2000" b="0" i="0" dirty="0">
+                <a:solidFill>
+                  <a:srgbClr val="1F1F1F"/>
+                </a:solidFill>
+                <a:effectLst/>
+                <a:latin typeface="Google Sans"/>
+              </a:rPr>
+              <a:t>The Spam Filter</a:t>
+            </a:r>
+            <a:endParaRPr lang="en-US" sz="2000" dirty="0">
+              <a:solidFill>
+                <a:srgbClr val="374151"/>
+              </a:solidFill>
+              <a:latin typeface="Söhne"/>
+            </a:endParaRPr>
+          </a:p>
+          <a:p>
+            <a:pPr marL="342900" indent="-342900">
+              <a:buAutoNum type="arabicPeriod"/>
+            </a:pPr>
+            <a:r>
+              <a:rPr lang="en-US" sz="2000" b="0" i="0" dirty="0">
+                <a:solidFill>
+                  <a:srgbClr val="1F1F1F"/>
+                </a:solidFill>
+                <a:effectLst/>
+                <a:latin typeface="Google Sans"/>
+              </a:rPr>
+              <a:t>Music Recommender</a:t>
+            </a:r>
+            <a:endParaRPr lang="en-US" sz="2000" b="0" i="0" dirty="0">
+              <a:solidFill>
+                <a:srgbClr val="374151"/>
+              </a:solidFill>
+              <a:effectLst/>
+              <a:latin typeface="Söhne"/>
+            </a:endParaRPr>
+          </a:p>
+          <a:p>
+            <a:pPr marL="342900" indent="-342900">
+              <a:buAutoNum type="arabicPeriod"/>
+            </a:pPr>
+            <a:r>
+              <a:rPr lang="en-US" sz="2000" dirty="0">
+                <a:solidFill>
+                  <a:srgbClr val="374151"/>
+                </a:solidFill>
+                <a:latin typeface="Söhne"/>
+              </a:rPr>
+              <a:t>Personal Assistance (Alexa)</a:t>
+            </a:r>
+          </a:p>
+          <a:p>
+            <a:endParaRPr lang="en-US" dirty="0">
+              <a:solidFill>
+                <a:srgbClr val="374151"/>
+              </a:solidFill>
+              <a:latin typeface="Söhne"/>
+            </a:endParaRPr>
+          </a:p>
+        </p:txBody>
+      </p:sp>
+    </p:spTree>
+    <p:extLst>
+      <p:ext uri="{BB962C8B-B14F-4D97-AF65-F5344CB8AC3E}">
+        <p14:creationId xmlns:p14="http://schemas.microsoft.com/office/powerpoint/2010/main" val="2139162213"/>
+      </p:ext>
+    </p:extLst>
+  </p:cSld>
+  <p:clrMapOvr>
+    <a:masterClrMapping/>
+  </p:clrMapOvr>
+</p:sld>
+</file>
+
+<file path=ppt/slides/slide14.xml><?xml version="1.0" encoding="utf-8"?>
+<p:sld xmlns:a="http://schemas.openxmlformats.org/drawingml/2006/main" xmlns:r="http://schemas.openxmlformats.org/officeDocument/2006/relationships" xmlns:p="http://schemas.openxmlformats.org/presentationml/2006/main">
+  <p:cSld>
+    <p:spTree>
+      <p:nvGrpSpPr>
+        <p:cNvPr id="1" name=""/>
+        <p:cNvGrpSpPr/>
+        <p:nvPr/>
+      </p:nvGrpSpPr>
+      <p:grpSpPr>
+        <a:xfrm>
+          <a:off x="0" y="0"/>
+          <a:ext cx="0" cy="0"/>
+          <a:chOff x="0" y="0"/>
+          <a:chExt cx="0" cy="0"/>
+        </a:xfrm>
+      </p:grpSpPr>
+      <p:sp>
+        <p:nvSpPr>
+          <p:cNvPr id="2" name="TextBox 1">
+            <a:extLst>
+              <a:ext uri="{FF2B5EF4-FFF2-40B4-BE49-F238E27FC236}">
+                <a16:creationId xmlns:a16="http://schemas.microsoft.com/office/drawing/2014/main" id="{B57972B5-0C5E-B9AD-9B5E-3E272A39CA9D}"/>
+              </a:ext>
+            </a:extLst>
+          </p:cNvPr>
+          <p:cNvSpPr txBox="1"/>
+          <p:nvPr/>
+        </p:nvSpPr>
+        <p:spPr>
+          <a:xfrm>
+            <a:off x="606288" y="777150"/>
+            <a:ext cx="10952922" cy="4893647"/>
+          </a:xfrm>
+          <a:prstGeom prst="rect">
+            <a:avLst/>
+          </a:prstGeom>
+          <a:noFill/>
+        </p:spPr>
+        <p:txBody>
+          <a:bodyPr wrap="square" rtlCol="0">
+            <a:spAutoFit/>
+          </a:bodyPr>
+          <a:lstStyle/>
+          <a:p>
+            <a:r>
+              <a:rPr lang="en-US" sz="2400" b="1" dirty="0">
+                <a:solidFill>
+                  <a:srgbClr val="C00000"/>
+                </a:solidFill>
+                <a:latin typeface="Söhne"/>
+              </a:rPr>
+              <a:t>Definition</a:t>
+            </a:r>
+            <a:r>
+              <a:rPr lang="en-US" sz="2400" dirty="0">
+                <a:solidFill>
+                  <a:srgbClr val="C00000"/>
+                </a:solidFill>
+                <a:latin typeface="Söhne"/>
+              </a:rPr>
+              <a:t>:</a:t>
+            </a:r>
+          </a:p>
+          <a:p>
+            <a:r>
+              <a:rPr lang="en-US" sz="2000" dirty="0"/>
+              <a:t>	</a:t>
+            </a:r>
+            <a:r>
+              <a:rPr lang="en-US" sz="2400" dirty="0"/>
+              <a:t>According to </a:t>
+            </a:r>
+            <a:r>
+              <a:rPr lang="en-US" sz="2400" b="1" dirty="0"/>
+              <a:t>Tom Mitchell </a:t>
+            </a:r>
+            <a:r>
+              <a:rPr lang="en-US" sz="2400" dirty="0"/>
+              <a:t>Machine Learning </a:t>
+            </a:r>
+            <a:r>
+              <a:rPr lang="en-US" sz="2400" b="1" dirty="0"/>
+              <a:t>is the study of algorithms that improve </a:t>
+            </a:r>
+            <a:r>
+              <a:rPr lang="en-US" sz="2400" dirty="0"/>
+              <a:t>their </a:t>
+            </a:r>
+            <a:r>
+              <a:rPr lang="en-US" sz="2400" b="1" dirty="0"/>
+              <a:t>performance</a:t>
+            </a:r>
+            <a:r>
+              <a:rPr lang="en-US" sz="2400" dirty="0"/>
+              <a:t> P at some task T with experience E. A well-defined learning task for a system is given by &lt;P, T, E&gt;.</a:t>
+            </a:r>
+            <a:endParaRPr lang="en-US" sz="2400" dirty="0">
+              <a:solidFill>
+                <a:srgbClr val="374151"/>
+              </a:solidFill>
+              <a:latin typeface="Söhne"/>
+            </a:endParaRPr>
+          </a:p>
+          <a:p>
+            <a:endParaRPr lang="en-US" sz="2400" dirty="0"/>
+          </a:p>
+          <a:p>
+            <a:r>
+              <a:rPr lang="en-US" sz="2400" b="1" dirty="0"/>
+              <a:t>AI, ML and DL:</a:t>
+            </a:r>
+          </a:p>
+          <a:p>
+            <a:endParaRPr lang="en-US" sz="2400" dirty="0"/>
+          </a:p>
+          <a:p>
+            <a:pPr lvl="1"/>
+            <a:r>
+              <a:rPr lang="en-US" sz="2400" b="1" dirty="0"/>
+              <a:t>AI</a:t>
+            </a:r>
+            <a:r>
+              <a:rPr lang="en-US" sz="2400" dirty="0"/>
+              <a:t>: Creation of Intelligent Machines that </a:t>
+            </a:r>
+            <a:r>
+              <a:rPr lang="en-US" sz="2400" b="1" dirty="0"/>
+              <a:t>think and act like </a:t>
+            </a:r>
+            <a:r>
+              <a:rPr lang="en-US" sz="2400" dirty="0"/>
+              <a:t>a Humans Ex: </a:t>
+            </a:r>
+            <a:r>
+              <a:rPr lang="en-US" sz="2400" b="1" dirty="0">
+                <a:solidFill>
+                  <a:srgbClr val="C00000"/>
+                </a:solidFill>
+              </a:rPr>
+              <a:t>Robots</a:t>
+            </a:r>
+            <a:r>
+              <a:rPr lang="en-US" sz="2400" dirty="0"/>
+              <a:t>.</a:t>
+            </a:r>
+          </a:p>
+          <a:p>
+            <a:pPr lvl="1"/>
+            <a:endParaRPr lang="en-US" sz="2400" dirty="0"/>
+          </a:p>
+          <a:p>
+            <a:pPr lvl="1"/>
+            <a:r>
+              <a:rPr lang="en-US" sz="2400" b="1" dirty="0"/>
+              <a:t>ML</a:t>
+            </a:r>
+            <a:r>
+              <a:rPr lang="en-US" sz="2400" dirty="0"/>
+              <a:t>: Approach for Computers to </a:t>
+            </a:r>
+            <a:r>
+              <a:rPr lang="en-US" sz="2400" b="1" dirty="0"/>
+              <a:t>learn without being explicitly programmed.</a:t>
+            </a:r>
+          </a:p>
+          <a:p>
+            <a:pPr lvl="1"/>
+            <a:endParaRPr lang="en-US" sz="2400" b="1" dirty="0"/>
+          </a:p>
+          <a:p>
+            <a:pPr lvl="1"/>
+            <a:r>
+              <a:rPr lang="en-US" sz="2400" b="1" dirty="0"/>
+              <a:t>DL</a:t>
+            </a:r>
+            <a:r>
+              <a:rPr lang="en-US" sz="2400" dirty="0"/>
+              <a:t>: Training of Machines to think like a </a:t>
+            </a:r>
+            <a:r>
+              <a:rPr lang="en-US" sz="2400" b="1" dirty="0"/>
+              <a:t>human brains- </a:t>
+            </a:r>
+            <a:r>
+              <a:rPr lang="en-US" sz="2400" dirty="0"/>
+              <a:t>Application of Artificial Neural Networks.</a:t>
+            </a:r>
+          </a:p>
+        </p:txBody>
+      </p:sp>
+    </p:spTree>
+    <p:extLst>
+      <p:ext uri="{BB962C8B-B14F-4D97-AF65-F5344CB8AC3E}">
+        <p14:creationId xmlns:p14="http://schemas.microsoft.com/office/powerpoint/2010/main" val="2625754780"/>
+      </p:ext>
+    </p:extLst>
+  </p:cSld>
+  <p:clrMapOvr>
+    <a:masterClrMapping/>
+  </p:clrMapOvr>
+</p:sld>
+</file>
+
+<file path=ppt/slides/slide15.xml><?xml version="1.0" encoding="utf-8"?>
+<p:sld xmlns:a="http://schemas.openxmlformats.org/drawingml/2006/main" xmlns:r="http://schemas.openxmlformats.org/officeDocument/2006/relationships" xmlns:p="http://schemas.openxmlformats.org/presentationml/2006/main">
+  <p:cSld>
+    <p:spTree>
+      <p:nvGrpSpPr>
+        <p:cNvPr id="1" name=""/>
+        <p:cNvGrpSpPr/>
+        <p:nvPr/>
+      </p:nvGrpSpPr>
+      <p:grpSpPr>
+        <a:xfrm>
+          <a:off x="0" y="0"/>
+          <a:ext cx="0" cy="0"/>
+          <a:chOff x="0" y="0"/>
+          <a:chExt cx="0" cy="0"/>
+        </a:xfrm>
+      </p:grpSpPr>
+      <p:sp>
+        <p:nvSpPr>
+          <p:cNvPr id="3" name="TextBox 2">
+            <a:extLst>
+              <a:ext uri="{FF2B5EF4-FFF2-40B4-BE49-F238E27FC236}">
+                <a16:creationId xmlns:a16="http://schemas.microsoft.com/office/drawing/2014/main" id="{4492DA82-11E4-B786-427C-C01F1E9D1464}"/>
+              </a:ext>
+            </a:extLst>
+          </p:cNvPr>
+          <p:cNvSpPr txBox="1"/>
+          <p:nvPr/>
+        </p:nvSpPr>
+        <p:spPr>
+          <a:xfrm>
+            <a:off x="492967" y="1018125"/>
+            <a:ext cx="11206066" cy="3539430"/>
+          </a:xfrm>
+          <a:prstGeom prst="rect">
+            <a:avLst/>
+          </a:prstGeom>
+          <a:noFill/>
+        </p:spPr>
+        <p:txBody>
+          <a:bodyPr wrap="square">
+            <a:spAutoFit/>
+          </a:bodyPr>
+          <a:lstStyle/>
+          <a:p>
+            <a:r>
+              <a:rPr lang="en-US" sz="2400" b="1" dirty="0">
+                <a:solidFill>
+                  <a:srgbClr val="2B3E51"/>
+                </a:solidFill>
+                <a:latin typeface="Open Sans" panose="020B0606030504020204" pitchFamily="34" charset="0"/>
+              </a:rPr>
+              <a:t>T</a:t>
+            </a:r>
+            <a:r>
+              <a:rPr lang="en-US" sz="2400" b="1" i="0" dirty="0">
+                <a:solidFill>
+                  <a:srgbClr val="2B3E51"/>
+                </a:solidFill>
+                <a:effectLst/>
+                <a:latin typeface="Open Sans" panose="020B0606030504020204" pitchFamily="34" charset="0"/>
+              </a:rPr>
+              <a:t>raditional </a:t>
+            </a:r>
+            <a:r>
+              <a:rPr lang="en-US" sz="2400" b="1" dirty="0">
+                <a:solidFill>
+                  <a:srgbClr val="2B3E51"/>
+                </a:solidFill>
+                <a:latin typeface="Open Sans" panose="020B0606030504020204" pitchFamily="34" charset="0"/>
+              </a:rPr>
+              <a:t>P</a:t>
+            </a:r>
+            <a:r>
+              <a:rPr lang="en-US" sz="2400" b="1" i="0" dirty="0">
+                <a:solidFill>
+                  <a:srgbClr val="2B3E51"/>
+                </a:solidFill>
+                <a:effectLst/>
+                <a:latin typeface="Open Sans" panose="020B0606030504020204" pitchFamily="34" charset="0"/>
+              </a:rPr>
+              <a:t>rogramming  V/S  Machine Learning :</a:t>
+            </a:r>
+            <a:endParaRPr lang="en-US" sz="2400" b="1" dirty="0">
+              <a:solidFill>
+                <a:srgbClr val="2B3E51"/>
+              </a:solidFill>
+              <a:latin typeface="Open Sans" panose="020B0606030504020204" pitchFamily="34" charset="0"/>
+            </a:endParaRPr>
+          </a:p>
+          <a:p>
+            <a:pPr algn="l"/>
+            <a:endParaRPr lang="en-US" sz="2000" b="1" dirty="0">
+              <a:solidFill>
+                <a:srgbClr val="2B3E51"/>
+              </a:solidFill>
+              <a:latin typeface="Open Sans" panose="020B0606030504020204" pitchFamily="34" charset="0"/>
+            </a:endParaRPr>
+          </a:p>
+          <a:p>
+            <a:pPr algn="l"/>
+            <a:r>
+              <a:rPr lang="en-US" sz="2000" b="1" dirty="0">
+                <a:solidFill>
+                  <a:srgbClr val="2B3E51"/>
+                </a:solidFill>
+                <a:latin typeface="Open Sans" panose="020B0606030504020204" pitchFamily="34" charset="0"/>
+              </a:rPr>
+              <a:t>T</a:t>
+            </a:r>
+            <a:r>
+              <a:rPr lang="en-US" sz="2000" b="1" i="0" dirty="0">
+                <a:solidFill>
+                  <a:srgbClr val="2B3E51"/>
+                </a:solidFill>
+                <a:effectLst/>
+                <a:latin typeface="Open Sans" panose="020B0606030504020204" pitchFamily="34" charset="0"/>
+              </a:rPr>
+              <a:t>raditional </a:t>
+            </a:r>
+            <a:r>
+              <a:rPr lang="en-US" sz="2000" b="1" dirty="0">
+                <a:solidFill>
+                  <a:srgbClr val="2B3E51"/>
+                </a:solidFill>
+                <a:latin typeface="Open Sans" panose="020B0606030504020204" pitchFamily="34" charset="0"/>
+              </a:rPr>
+              <a:t>P</a:t>
+            </a:r>
+            <a:r>
+              <a:rPr lang="en-US" sz="2000" b="1" i="0" dirty="0">
+                <a:solidFill>
+                  <a:srgbClr val="2B3E51"/>
+                </a:solidFill>
+                <a:effectLst/>
+                <a:latin typeface="Open Sans" panose="020B0606030504020204" pitchFamily="34" charset="0"/>
+              </a:rPr>
+              <a:t>rogramming:</a:t>
+            </a:r>
+            <a:endParaRPr lang="en-US" sz="2000" dirty="0">
+              <a:solidFill>
+                <a:srgbClr val="2B3E51"/>
+              </a:solidFill>
+              <a:latin typeface="Open Sans" panose="020B0606030504020204" pitchFamily="34" charset="0"/>
+            </a:endParaRPr>
+          </a:p>
+          <a:p>
+            <a:pPr algn="l"/>
+            <a:r>
+              <a:rPr lang="en-US" sz="2000" b="0" i="0" dirty="0">
+                <a:solidFill>
+                  <a:srgbClr val="2B3E51"/>
+                </a:solidFill>
+                <a:effectLst/>
+                <a:latin typeface="Open Sans" panose="020B0606030504020204" pitchFamily="34" charset="0"/>
+              </a:rPr>
+              <a:t>In traditional programming, a computer engineer writes a series of directions that instruct a computer how to transform input data into a desired output. Instructions are mostly based on an IF-THEN structure: when certain conditions are met, the program executes a specific action.</a:t>
+            </a:r>
+          </a:p>
+          <a:p>
+            <a:pPr algn="l"/>
+            <a:endParaRPr lang="en-US" sz="2000" dirty="0">
+              <a:solidFill>
+                <a:srgbClr val="2B3E51"/>
+              </a:solidFill>
+              <a:latin typeface="Open Sans" panose="020B0606030504020204" pitchFamily="34" charset="0"/>
+            </a:endParaRPr>
+          </a:p>
+          <a:p>
+            <a:pPr algn="l"/>
+            <a:r>
+              <a:rPr lang="en-US" sz="2000" b="1" i="0" dirty="0">
+                <a:solidFill>
+                  <a:srgbClr val="2B3E51"/>
+                </a:solidFill>
+                <a:effectLst/>
+                <a:latin typeface="Open Sans" panose="020B0606030504020204" pitchFamily="34" charset="0"/>
+              </a:rPr>
+              <a:t>Machine Learning:</a:t>
+            </a:r>
+          </a:p>
+          <a:p>
+            <a:pPr algn="l"/>
+            <a:r>
+              <a:rPr lang="en-US" sz="2000" b="0" i="0" dirty="0">
+                <a:solidFill>
+                  <a:srgbClr val="2B3E51"/>
+                </a:solidFill>
+                <a:effectLst/>
+                <a:latin typeface="Open Sans" panose="020B0606030504020204" pitchFamily="34" charset="0"/>
+              </a:rPr>
+              <a:t>Machine learning, on the other hand, is an </a:t>
+            </a:r>
+            <a:r>
+              <a:rPr lang="en-US" sz="2000" b="1" i="0" dirty="0">
+                <a:solidFill>
+                  <a:srgbClr val="2B3E51"/>
+                </a:solidFill>
+                <a:effectLst/>
+                <a:latin typeface="Open Sans" panose="020B0606030504020204" pitchFamily="34" charset="0"/>
+              </a:rPr>
+              <a:t>automated process </a:t>
+            </a:r>
+            <a:r>
+              <a:rPr lang="en-US" sz="2000" b="0" i="0" dirty="0">
+                <a:solidFill>
+                  <a:srgbClr val="2B3E51"/>
+                </a:solidFill>
+                <a:effectLst/>
+                <a:latin typeface="Open Sans" panose="020B0606030504020204" pitchFamily="34" charset="0"/>
+              </a:rPr>
+              <a:t>that enables machines to solve problems </a:t>
+            </a:r>
+            <a:r>
+              <a:rPr lang="en-US" sz="2000" b="1" i="0" dirty="0">
+                <a:solidFill>
+                  <a:srgbClr val="2B3E51"/>
+                </a:solidFill>
+                <a:effectLst/>
+                <a:latin typeface="Open Sans" panose="020B0606030504020204" pitchFamily="34" charset="0"/>
+              </a:rPr>
+              <a:t>with little or no human input</a:t>
+            </a:r>
+            <a:r>
+              <a:rPr lang="en-US" sz="2000" b="0" i="0" dirty="0">
+                <a:solidFill>
+                  <a:srgbClr val="2B3E51"/>
+                </a:solidFill>
+                <a:effectLst/>
+                <a:latin typeface="Open Sans" panose="020B0606030504020204" pitchFamily="34" charset="0"/>
+              </a:rPr>
+              <a:t>, and take actions based on past observations.</a:t>
+            </a:r>
+          </a:p>
+        </p:txBody>
+      </p:sp>
+    </p:spTree>
+    <p:extLst>
+      <p:ext uri="{BB962C8B-B14F-4D97-AF65-F5344CB8AC3E}">
+        <p14:creationId xmlns:p14="http://schemas.microsoft.com/office/powerpoint/2010/main" val="1282001319"/>
+      </p:ext>
+    </p:extLst>
+  </p:cSld>
+  <p:clrMapOvr>
+    <a:masterClrMapping/>
+  </p:clrMapOvr>
+</p:sld>
+</file>
+
+<file path=ppt/slides/slide16.xml><?xml version="1.0" encoding="utf-8"?>
+<p:sld xmlns:a="http://schemas.openxmlformats.org/drawingml/2006/main" xmlns:r="http://schemas.openxmlformats.org/officeDocument/2006/relationships" xmlns:p="http://schemas.openxmlformats.org/presentationml/2006/main">
+  <p:cSld>
+    <p:spTree>
+      <p:nvGrpSpPr>
         <p:cNvPr id="1" name="">
           <a:extLst>
             <a:ext uri="{FF2B5EF4-FFF2-40B4-BE49-F238E27FC236}">
@@ -8285,7 +9170,7 @@
 </p:sld>
 </file>
 
-<file path=ppt/slides/slide14.xml><?xml version="1.0" encoding="utf-8"?>
+<file path=ppt/slides/slide17.xml><?xml version="1.0" encoding="utf-8"?>
 <p:sld xmlns:a="http://schemas.openxmlformats.org/drawingml/2006/main" xmlns:r="http://schemas.openxmlformats.org/officeDocument/2006/relationships" xmlns:p="http://schemas.openxmlformats.org/presentationml/2006/main">
   <p:cSld>
     <p:spTree>
@@ -8422,7 +9307,7 @@
 </p:sld>
 </file>
 
-<file path=ppt/slides/slide15.xml><?xml version="1.0" encoding="utf-8"?>
+<file path=ppt/slides/slide18.xml><?xml version="1.0" encoding="utf-8"?>
 <p:sld xmlns:a="http://schemas.openxmlformats.org/drawingml/2006/main" xmlns:r="http://schemas.openxmlformats.org/officeDocument/2006/relationships" xmlns:p="http://schemas.openxmlformats.org/presentationml/2006/main">
   <p:cSld>
     <p:spTree>
